--- a/India_Police_Hackathon.pptx
+++ b/India_Police_Hackathon.pptx
@@ -5,7 +5,7 @@
     <p:sldMasterId id="2147483648" r:id="rId1"/>
   </p:sldMasterIdLst>
   <p:notesMasterIdLst>
-    <p:notesMasterId r:id="rId13"/>
+    <p:notesMasterId r:id="rId14"/>
   </p:notesMasterIdLst>
   <p:sldIdLst>
     <p:sldId id="256" r:id="rId2"/>
@@ -18,7 +18,8 @@
     <p:sldId id="283" r:id="rId9"/>
     <p:sldId id="288" r:id="rId10"/>
     <p:sldId id="287" r:id="rId11"/>
-    <p:sldId id="270" r:id="rId12"/>
+    <p:sldId id="291" r:id="rId12"/>
+    <p:sldId id="270" r:id="rId13"/>
   </p:sldIdLst>
   <p:sldSz cx="9144000" cy="6858000" type="screen4x3"/>
   <p:notesSz cx="9144000" cy="6858000"/>
@@ -3451,42 +3452,6 @@
           </a:p>
         </p:txBody>
       </p:sp>
-      <p:sp>
-        <p:nvSpPr>
-          <p:cNvPr id="9" name="Rectangle 8"/>
-          <p:cNvSpPr/>
-          <p:nvPr/>
-        </p:nvSpPr>
-        <p:spPr>
-          <a:xfrm>
-            <a:off x="32133" y="2722488"/>
-            <a:ext cx="1700145" cy="461665"/>
-          </a:xfrm>
-          <a:prstGeom prst="rect">
-            <a:avLst/>
-          </a:prstGeom>
-        </p:spPr>
-        <p:txBody>
-          <a:bodyPr wrap="none">
-            <a:spAutoFit/>
-          </a:bodyPr>
-          <a:lstStyle/>
-          <a:p>
-            <a:r>
-              <a:rPr lang="en-US" sz="2400" b="1" spc="-5" dirty="0" smtClean="0">
-                <a:solidFill>
-                  <a:schemeClr val="bg1"/>
-                </a:solidFill>
-                <a:latin typeface="Arial"/>
-                <a:ea typeface="+mj-ea"/>
-                <a:cs typeface="Arial"/>
-              </a:rPr>
-              <a:t>Honeywell</a:t>
-            </a:r>
-            <a:endParaRPr lang="en-US" dirty="0"/>
-          </a:p>
-        </p:txBody>
-      </p:sp>
       <p:pic>
         <p:nvPicPr>
           <p:cNvPr id="3" name="Picture 2"/>
@@ -3901,7 +3866,6 @@
               <a:rPr lang="en-US" sz="2000" b="1" dirty="0" smtClean="0"/>
               <a:t>Top Contenders for Accidents:</a:t>
             </a:r>
-            <a:endParaRPr lang="en-US" sz="2000" b="1" dirty="0" smtClean="0"/>
           </a:p>
           <a:p>
             <a:r>
@@ -3966,7 +3930,6 @@
               <a:rPr lang="en-US" dirty="0"/>
               <a:t>','NoOf_Animal_Killed'</a:t>
             </a:r>
-            <a:endParaRPr lang="en-US" dirty="0"/>
           </a:p>
         </p:txBody>
       </p:sp>
@@ -4024,6 +3987,417 @@
 </file>
 
 <file path=ppt/slides/slide11.xml><?xml version="1.0" encoding="utf-8"?>
+<p:sld xmlns:a="http://schemas.openxmlformats.org/drawingml/2006/main" xmlns:r="http://schemas.openxmlformats.org/officeDocument/2006/relationships" xmlns:p="http://schemas.openxmlformats.org/presentationml/2006/main">
+  <p:cSld>
+    <p:spTree>
+      <p:nvGrpSpPr>
+        <p:cNvPr id="1" name=""/>
+        <p:cNvGrpSpPr/>
+        <p:nvPr/>
+      </p:nvGrpSpPr>
+      <p:grpSpPr>
+        <a:xfrm>
+          <a:off x="0" y="0"/>
+          <a:ext cx="0" cy="0"/>
+          <a:chOff x="0" y="0"/>
+          <a:chExt cx="0" cy="0"/>
+        </a:xfrm>
+      </p:grpSpPr>
+      <p:sp>
+        <p:nvSpPr>
+          <p:cNvPr id="2" name="object 2"/>
+          <p:cNvSpPr/>
+          <p:nvPr/>
+        </p:nvSpPr>
+        <p:spPr>
+          <a:xfrm>
+            <a:off x="237743" y="6396228"/>
+            <a:ext cx="8712200" cy="0"/>
+          </a:xfrm>
+          <a:custGeom>
+            <a:avLst/>
+            <a:gdLst/>
+            <a:ahLst/>
+            <a:cxnLst/>
+            <a:rect l="l" t="t" r="r" b="b"/>
+            <a:pathLst>
+              <a:path w="8712200">
+                <a:moveTo>
+                  <a:pt x="0" y="0"/>
+                </a:moveTo>
+                <a:lnTo>
+                  <a:pt x="8711946" y="0"/>
+                </a:lnTo>
+              </a:path>
+            </a:pathLst>
+          </a:custGeom>
+          <a:ln w="6096">
+            <a:solidFill>
+              <a:srgbClr val="D9D9D9"/>
+            </a:solidFill>
+          </a:ln>
+        </p:spPr>
+        <p:txBody>
+          <a:bodyPr wrap="square" lIns="0" tIns="0" rIns="0" bIns="0" rtlCol="0"/>
+          <a:lstStyle/>
+          <a:p>
+            <a:endParaRPr/>
+          </a:p>
+        </p:txBody>
+      </p:sp>
+      <p:sp>
+        <p:nvSpPr>
+          <p:cNvPr id="4" name="object 4"/>
+          <p:cNvSpPr/>
+          <p:nvPr/>
+        </p:nvSpPr>
+        <p:spPr>
+          <a:xfrm>
+            <a:off x="0" y="0"/>
+            <a:ext cx="6797040" cy="535305"/>
+          </a:xfrm>
+          <a:custGeom>
+            <a:avLst/>
+            <a:gdLst/>
+            <a:ahLst/>
+            <a:cxnLst/>
+            <a:rect l="l" t="t" r="r" b="b"/>
+            <a:pathLst>
+              <a:path w="6797040" h="535305">
+                <a:moveTo>
+                  <a:pt x="0" y="534924"/>
+                </a:moveTo>
+                <a:lnTo>
+                  <a:pt x="6797040" y="534924"/>
+                </a:lnTo>
+                <a:lnTo>
+                  <a:pt x="6797040" y="0"/>
+                </a:lnTo>
+                <a:lnTo>
+                  <a:pt x="0" y="0"/>
+                </a:lnTo>
+                <a:lnTo>
+                  <a:pt x="0" y="534924"/>
+                </a:lnTo>
+                <a:close/>
+              </a:path>
+            </a:pathLst>
+          </a:custGeom>
+          <a:solidFill>
+            <a:srgbClr val="1B5474"/>
+          </a:solidFill>
+        </p:spPr>
+        <p:txBody>
+          <a:bodyPr wrap="square" lIns="0" tIns="0" rIns="0" bIns="0" rtlCol="0"/>
+          <a:lstStyle/>
+          <a:p>
+            <a:endParaRPr/>
+          </a:p>
+        </p:txBody>
+      </p:sp>
+      <p:sp>
+        <p:nvSpPr>
+          <p:cNvPr id="5" name="object 5"/>
+          <p:cNvSpPr/>
+          <p:nvPr/>
+        </p:nvSpPr>
+        <p:spPr>
+          <a:xfrm>
+            <a:off x="6797040" y="0"/>
+            <a:ext cx="774700" cy="535305"/>
+          </a:xfrm>
+          <a:custGeom>
+            <a:avLst/>
+            <a:gdLst/>
+            <a:ahLst/>
+            <a:cxnLst/>
+            <a:rect l="l" t="t" r="r" b="b"/>
+            <a:pathLst>
+              <a:path w="774700" h="535305">
+                <a:moveTo>
+                  <a:pt x="774191" y="0"/>
+                </a:moveTo>
+                <a:lnTo>
+                  <a:pt x="0" y="0"/>
+                </a:lnTo>
+                <a:lnTo>
+                  <a:pt x="0" y="534924"/>
+                </a:lnTo>
+                <a:lnTo>
+                  <a:pt x="774191" y="0"/>
+                </a:lnTo>
+                <a:close/>
+              </a:path>
+            </a:pathLst>
+          </a:custGeom>
+          <a:solidFill>
+            <a:srgbClr val="1B5474"/>
+          </a:solidFill>
+        </p:spPr>
+        <p:txBody>
+          <a:bodyPr wrap="square" lIns="0" tIns="0" rIns="0" bIns="0" rtlCol="0"/>
+          <a:lstStyle/>
+          <a:p>
+            <a:endParaRPr/>
+          </a:p>
+        </p:txBody>
+      </p:sp>
+      <p:sp>
+        <p:nvSpPr>
+          <p:cNvPr id="8" name="object 8"/>
+          <p:cNvSpPr txBox="1">
+            <a:spLocks noGrp="1"/>
+          </p:cNvSpPr>
+          <p:nvPr>
+            <p:ph type="title"/>
+          </p:nvPr>
+        </p:nvSpPr>
+        <p:spPr>
+          <a:xfrm>
+            <a:off x="150672" y="27253"/>
+            <a:ext cx="3125928" cy="382156"/>
+          </a:xfrm>
+          <a:prstGeom prst="rect">
+            <a:avLst/>
+          </a:prstGeom>
+        </p:spPr>
+        <p:txBody>
+          <a:bodyPr vert="horz" wrap="square" lIns="0" tIns="12700" rIns="0" bIns="0" rtlCol="0">
+            <a:spAutoFit/>
+          </a:bodyPr>
+          <a:lstStyle/>
+          <a:p>
+            <a:pPr marL="12700">
+              <a:lnSpc>
+                <a:spcPct val="100000"/>
+              </a:lnSpc>
+              <a:spcBef>
+                <a:spcPts val="100"/>
+              </a:spcBef>
+            </a:pPr>
+            <a:r>
+              <a:rPr lang="en-US" spc="-5" dirty="0" smtClean="0"/>
+              <a:t>Suggestion:</a:t>
+            </a:r>
+            <a:endParaRPr dirty="0"/>
+          </a:p>
+        </p:txBody>
+      </p:sp>
+      <p:sp>
+        <p:nvSpPr>
+          <p:cNvPr id="15" name="object 15"/>
+          <p:cNvSpPr txBox="1">
+            <a:spLocks noGrp="1"/>
+          </p:cNvSpPr>
+          <p:nvPr>
+            <p:ph type="sldNum" sz="quarter" idx="7"/>
+          </p:nvPr>
+        </p:nvSpPr>
+        <p:spPr>
+          <a:xfrm>
+            <a:off x="8719566" y="6485859"/>
+            <a:ext cx="164465" cy="126317"/>
+          </a:xfrm>
+          <a:prstGeom prst="rect">
+            <a:avLst/>
+          </a:prstGeom>
+        </p:spPr>
+        <p:txBody>
+          <a:bodyPr vert="horz" wrap="square" lIns="0" tIns="3175" rIns="0" bIns="0" rtlCol="0">
+            <a:spAutoFit/>
+          </a:bodyPr>
+          <a:lstStyle/>
+          <a:p>
+            <a:pPr marL="25400">
+              <a:lnSpc>
+                <a:spcPct val="100000"/>
+              </a:lnSpc>
+              <a:spcBef>
+                <a:spcPts val="25"/>
+              </a:spcBef>
+            </a:pPr>
+            <a:r>
+              <a:rPr lang="en-US" dirty="0" smtClean="0"/>
+              <a:t>7</a:t>
+            </a:r>
+            <a:endParaRPr dirty="0"/>
+          </a:p>
+        </p:txBody>
+      </p:sp>
+      <p:pic>
+        <p:nvPicPr>
+          <p:cNvPr id="10" name="Picture 9"/>
+          <p:cNvPicPr>
+            <a:picLocks noChangeAspect="1"/>
+          </p:cNvPicPr>
+          <p:nvPr/>
+        </p:nvPicPr>
+        <p:blipFill>
+          <a:blip r:embed="rId2" cstate="print">
+            <a:extLst>
+              <a:ext uri="{28A0092B-C50C-407E-A947-70E740481C1C}">
+                <a14:useLocalDpi xmlns:a14="http://schemas.microsoft.com/office/drawing/2010/main" val="0"/>
+              </a:ext>
+            </a:extLst>
+          </a:blip>
+          <a:stretch>
+            <a:fillRect/>
+          </a:stretch>
+        </p:blipFill>
+        <p:spPr>
+          <a:xfrm>
+            <a:off x="7571740" y="163915"/>
+            <a:ext cx="1370858" cy="1286981"/>
+          </a:xfrm>
+          <a:prstGeom prst="rect">
+            <a:avLst/>
+          </a:prstGeom>
+        </p:spPr>
+      </p:pic>
+      <p:sp>
+        <p:nvSpPr>
+          <p:cNvPr id="16" name="Rectangle 15"/>
+          <p:cNvSpPr/>
+          <p:nvPr/>
+        </p:nvSpPr>
+        <p:spPr>
+          <a:xfrm>
+            <a:off x="90021" y="1068979"/>
+            <a:ext cx="8899809" cy="1508105"/>
+          </a:xfrm>
+          <a:prstGeom prst="rect">
+            <a:avLst/>
+          </a:prstGeom>
+        </p:spPr>
+        <p:txBody>
+          <a:bodyPr wrap="none">
+            <a:spAutoFit/>
+          </a:bodyPr>
+          <a:lstStyle/>
+          <a:p>
+            <a:r>
+              <a:rPr lang="en-US" sz="2000" b="1" dirty="0" smtClean="0"/>
+              <a:t>Accident Embedding Dashboard Projector:</a:t>
+            </a:r>
+          </a:p>
+          <a:p>
+            <a:endParaRPr lang="en-US" b="1" dirty="0"/>
+          </a:p>
+          <a:p>
+            <a:pPr marL="285750" indent="-285750">
+              <a:buFont typeface="Arial" panose="020B0604020202020204" pitchFamily="34" charset="0"/>
+              <a:buChar char="•"/>
+            </a:pPr>
+            <a:r>
+              <a:rPr lang="en-US" dirty="0" smtClean="0"/>
+              <a:t>Have Tried to develop a Kannada Accident Description Word2Vec</a:t>
+            </a:r>
+          </a:p>
+          <a:p>
+            <a:r>
+              <a:rPr lang="en-US" dirty="0" smtClean="0"/>
+              <a:t>     Embedding projector, due to memory constraint and time constraint, could not achieve it </a:t>
+            </a:r>
+          </a:p>
+          <a:p>
+            <a:pPr marL="285750" indent="-285750">
+              <a:buFont typeface="Arial" panose="020B0604020202020204" pitchFamily="34" charset="0"/>
+              <a:buChar char="•"/>
+            </a:pPr>
+            <a:endParaRPr lang="en-US" dirty="0"/>
+          </a:p>
+        </p:txBody>
+      </p:sp>
+      <p:sp>
+        <p:nvSpPr>
+          <p:cNvPr id="3" name="Rectangle 2"/>
+          <p:cNvSpPr/>
+          <p:nvPr/>
+        </p:nvSpPr>
+        <p:spPr>
+          <a:xfrm>
+            <a:off x="116645" y="6026896"/>
+            <a:ext cx="6009530" cy="646331"/>
+          </a:xfrm>
+          <a:prstGeom prst="rect">
+            <a:avLst/>
+          </a:prstGeom>
+        </p:spPr>
+        <p:txBody>
+          <a:bodyPr wrap="none">
+            <a:spAutoFit/>
+          </a:bodyPr>
+          <a:lstStyle/>
+          <a:p>
+            <a:pPr marL="285750" indent="-285750">
+              <a:buFont typeface="Arial" panose="020B0604020202020204" pitchFamily="34" charset="0"/>
+              <a:buChar char="•"/>
+            </a:pPr>
+            <a:r>
+              <a:rPr lang="en-US" dirty="0" smtClean="0"/>
+              <a:t>I would recommend to have a look on this feature in future</a:t>
+            </a:r>
+          </a:p>
+          <a:p>
+            <a:r>
+              <a:rPr lang="en-US" dirty="0" smtClean="0"/>
+              <a:t>     URL: </a:t>
+            </a:r>
+            <a:r>
+              <a:rPr lang="en-US" dirty="0">
+                <a:hlinkClick r:id="rId3"/>
+              </a:rPr>
+              <a:t>https://projector.tensorflow.org/</a:t>
+            </a:r>
+            <a:endParaRPr lang="en-US" dirty="0"/>
+          </a:p>
+        </p:txBody>
+      </p:sp>
+      <p:pic>
+        <p:nvPicPr>
+          <p:cNvPr id="6" name="Picture 5"/>
+          <p:cNvPicPr>
+            <a:picLocks noChangeAspect="1"/>
+          </p:cNvPicPr>
+          <p:nvPr/>
+        </p:nvPicPr>
+        <p:blipFill>
+          <a:blip r:embed="rId4"/>
+          <a:stretch>
+            <a:fillRect/>
+          </a:stretch>
+        </p:blipFill>
+        <p:spPr>
+          <a:xfrm>
+            <a:off x="990600" y="2361468"/>
+            <a:ext cx="6858000" cy="3260959"/>
+          </a:xfrm>
+          <a:prstGeom prst="rect">
+            <a:avLst/>
+          </a:prstGeom>
+        </p:spPr>
+      </p:pic>
+    </p:spTree>
+    <p:extLst>
+      <p:ext uri="{BB962C8B-B14F-4D97-AF65-F5344CB8AC3E}">
+        <p14:creationId xmlns:p14="http://schemas.microsoft.com/office/powerpoint/2010/main" val="3999193294"/>
+      </p:ext>
+    </p:extLst>
+  </p:cSld>
+  <p:clrMapOvr>
+    <a:masterClrMapping/>
+  </p:clrMapOvr>
+  <p:timing>
+    <p:tnLst>
+      <p:par>
+        <p:cTn id="1" dur="indefinite" restart="never" nodeType="tmRoot"/>
+      </p:par>
+    </p:tnLst>
+  </p:timing>
+</p:sld>
+</file>
+
+<file path=ppt/slides/slide12.xml><?xml version="1.0" encoding="utf-8"?>
 <p:sld xmlns:a="http://schemas.openxmlformats.org/drawingml/2006/main" xmlns:r="http://schemas.openxmlformats.org/officeDocument/2006/relationships" xmlns:p="http://schemas.openxmlformats.org/presentationml/2006/main">
   <p:cSld>
     <p:spTree>
